--- a/Capturas.pptx
+++ b/Capturas.pptx
@@ -13,6 +13,8 @@
     <p:sldId id="260" r:id="rId7"/>
     <p:sldId id="262" r:id="rId8"/>
     <p:sldId id="263" r:id="rId9"/>
+    <p:sldId id="264" r:id="rId10"/>
+    <p:sldId id="265" r:id="rId11"/>
   </p:sldIdLst>
   <p:sldSz cx="12192000" cy="6858000"/>
   <p:notesSz cx="6858000" cy="9144000"/>
@@ -111,6 +113,11 @@
       </a:defRPr>
     </a:lvl9pPr>
   </p:defaultTextStyle>
+  <p:extLst>
+    <p:ext uri="{EFAFB233-063F-42B5-8137-9DF3F51BA10A}">
+      <p15:sldGuideLst xmlns:p15="http://schemas.microsoft.com/office/powerpoint/2012/main"/>
+    </p:ext>
+  </p:extLst>
 </p:presentation>
 </file>
 
@@ -261,7 +268,7 @@
           <a:p>
             <a:fld id="{DE68F7A4-73E2-464A-BAE7-DA06945B9634}" type="datetimeFigureOut">
               <a:rPr lang="es-MX" smtClean="0"/>
-              <a:t>06/08/2023</a:t>
+              <a:t>09/08/2023</a:t>
             </a:fld>
             <a:endParaRPr lang="es-MX"/>
           </a:p>
@@ -459,7 +466,7 @@
           <a:p>
             <a:fld id="{DE68F7A4-73E2-464A-BAE7-DA06945B9634}" type="datetimeFigureOut">
               <a:rPr lang="es-MX" smtClean="0"/>
-              <a:t>06/08/2023</a:t>
+              <a:t>09/08/2023</a:t>
             </a:fld>
             <a:endParaRPr lang="es-MX"/>
           </a:p>
@@ -667,7 +674,7 @@
           <a:p>
             <a:fld id="{DE68F7A4-73E2-464A-BAE7-DA06945B9634}" type="datetimeFigureOut">
               <a:rPr lang="es-MX" smtClean="0"/>
-              <a:t>06/08/2023</a:t>
+              <a:t>09/08/2023</a:t>
             </a:fld>
             <a:endParaRPr lang="es-MX"/>
           </a:p>
@@ -865,7 +872,7 @@
           <a:p>
             <a:fld id="{DE68F7A4-73E2-464A-BAE7-DA06945B9634}" type="datetimeFigureOut">
               <a:rPr lang="es-MX" smtClean="0"/>
-              <a:t>06/08/2023</a:t>
+              <a:t>09/08/2023</a:t>
             </a:fld>
             <a:endParaRPr lang="es-MX"/>
           </a:p>
@@ -1140,7 +1147,7 @@
           <a:p>
             <a:fld id="{DE68F7A4-73E2-464A-BAE7-DA06945B9634}" type="datetimeFigureOut">
               <a:rPr lang="es-MX" smtClean="0"/>
-              <a:t>06/08/2023</a:t>
+              <a:t>09/08/2023</a:t>
             </a:fld>
             <a:endParaRPr lang="es-MX"/>
           </a:p>
@@ -1405,7 +1412,7 @@
           <a:p>
             <a:fld id="{DE68F7A4-73E2-464A-BAE7-DA06945B9634}" type="datetimeFigureOut">
               <a:rPr lang="es-MX" smtClean="0"/>
-              <a:t>06/08/2023</a:t>
+              <a:t>09/08/2023</a:t>
             </a:fld>
             <a:endParaRPr lang="es-MX"/>
           </a:p>
@@ -1817,7 +1824,7 @@
           <a:p>
             <a:fld id="{DE68F7A4-73E2-464A-BAE7-DA06945B9634}" type="datetimeFigureOut">
               <a:rPr lang="es-MX" smtClean="0"/>
-              <a:t>06/08/2023</a:t>
+              <a:t>09/08/2023</a:t>
             </a:fld>
             <a:endParaRPr lang="es-MX"/>
           </a:p>
@@ -1958,7 +1965,7 @@
           <a:p>
             <a:fld id="{DE68F7A4-73E2-464A-BAE7-DA06945B9634}" type="datetimeFigureOut">
               <a:rPr lang="es-MX" smtClean="0"/>
-              <a:t>06/08/2023</a:t>
+              <a:t>09/08/2023</a:t>
             </a:fld>
             <a:endParaRPr lang="es-MX"/>
           </a:p>
@@ -2071,7 +2078,7 @@
           <a:p>
             <a:fld id="{DE68F7A4-73E2-464A-BAE7-DA06945B9634}" type="datetimeFigureOut">
               <a:rPr lang="es-MX" smtClean="0"/>
-              <a:t>06/08/2023</a:t>
+              <a:t>09/08/2023</a:t>
             </a:fld>
             <a:endParaRPr lang="es-MX"/>
           </a:p>
@@ -2382,7 +2389,7 @@
           <a:p>
             <a:fld id="{DE68F7A4-73E2-464A-BAE7-DA06945B9634}" type="datetimeFigureOut">
               <a:rPr lang="es-MX" smtClean="0"/>
-              <a:t>06/08/2023</a:t>
+              <a:t>09/08/2023</a:t>
             </a:fld>
             <a:endParaRPr lang="es-MX"/>
           </a:p>
@@ -2670,7 +2677,7 @@
           <a:p>
             <a:fld id="{DE68F7A4-73E2-464A-BAE7-DA06945B9634}" type="datetimeFigureOut">
               <a:rPr lang="es-MX" smtClean="0"/>
-              <a:t>06/08/2023</a:t>
+              <a:t>09/08/2023</a:t>
             </a:fld>
             <a:endParaRPr lang="es-MX"/>
           </a:p>
@@ -2911,7 +2918,7 @@
           <a:p>
             <a:fld id="{DE68F7A4-73E2-464A-BAE7-DA06945B9634}" type="datetimeFigureOut">
               <a:rPr lang="es-MX" smtClean="0"/>
-              <a:t>06/08/2023</a:t>
+              <a:t>09/08/2023</a:t>
             </a:fld>
             <a:endParaRPr lang="es-MX"/>
           </a:p>
@@ -3371,6 +3378,116 @@
 </p:sld>
 </file>
 
+<file path=ppt/slides/slide10.xml><?xml version="1.0" encoding="utf-8"?>
+<p:sld xmlns:a="http://schemas.openxmlformats.org/drawingml/2006/main" xmlns:r="http://schemas.openxmlformats.org/officeDocument/2006/relationships" xmlns:p="http://schemas.openxmlformats.org/presentationml/2006/main">
+  <p:cSld>
+    <p:spTree>
+      <p:nvGrpSpPr>
+        <p:cNvPr id="1" name=""/>
+        <p:cNvGrpSpPr/>
+        <p:nvPr/>
+      </p:nvGrpSpPr>
+      <p:grpSpPr>
+        <a:xfrm>
+          <a:off x="0" y="0"/>
+          <a:ext cx="0" cy="0"/>
+          <a:chOff x="0" y="0"/>
+          <a:chExt cx="0" cy="0"/>
+        </a:xfrm>
+      </p:grpSpPr>
+      <p:sp>
+        <p:nvSpPr>
+          <p:cNvPr id="2" name="Título 1">
+            <a:extLst>
+              <a:ext uri="{FF2B5EF4-FFF2-40B4-BE49-F238E27FC236}">
+                <a16:creationId xmlns:a16="http://schemas.microsoft.com/office/drawing/2014/main" id="{41190C47-B2EE-B0F1-1EF4-85316CF8617B}"/>
+              </a:ext>
+            </a:extLst>
+          </p:cNvPr>
+          <p:cNvSpPr>
+            <a:spLocks noGrp="1"/>
+          </p:cNvSpPr>
+          <p:nvPr>
+            <p:ph type="title"/>
+          </p:nvPr>
+        </p:nvSpPr>
+        <p:spPr/>
+        <p:txBody>
+          <a:bodyPr/>
+          <a:lstStyle/>
+          <a:p>
+            <a:endParaRPr lang="es-MX"/>
+          </a:p>
+        </p:txBody>
+      </p:sp>
+      <p:sp>
+        <p:nvSpPr>
+          <p:cNvPr id="3" name="Marcador de contenido 2">
+            <a:extLst>
+              <a:ext uri="{FF2B5EF4-FFF2-40B4-BE49-F238E27FC236}">
+                <a16:creationId xmlns:a16="http://schemas.microsoft.com/office/drawing/2014/main" id="{8C10B524-A15B-0580-57FF-B30D6A72B123}"/>
+              </a:ext>
+            </a:extLst>
+          </p:cNvPr>
+          <p:cNvSpPr>
+            <a:spLocks noGrp="1"/>
+          </p:cNvSpPr>
+          <p:nvPr>
+            <p:ph idx="1"/>
+          </p:nvPr>
+        </p:nvSpPr>
+        <p:spPr/>
+        <p:txBody>
+          <a:bodyPr/>
+          <a:lstStyle/>
+          <a:p>
+            <a:endParaRPr lang="es-MX"/>
+          </a:p>
+        </p:txBody>
+      </p:sp>
+      <p:pic>
+        <p:nvPicPr>
+          <p:cNvPr id="5" name="Imagen 4">
+            <a:extLst>
+              <a:ext uri="{FF2B5EF4-FFF2-40B4-BE49-F238E27FC236}">
+                <a16:creationId xmlns:a16="http://schemas.microsoft.com/office/drawing/2014/main" id="{FE9FDF7C-91EE-C22E-C58E-A9C3D9EBAE93}"/>
+              </a:ext>
+            </a:extLst>
+          </p:cNvPr>
+          <p:cNvPicPr>
+            <a:picLocks noChangeAspect="1"/>
+          </p:cNvPicPr>
+          <p:nvPr/>
+        </p:nvPicPr>
+        <p:blipFill>
+          <a:blip r:embed="rId2"/>
+          <a:stretch>
+            <a:fillRect/>
+          </a:stretch>
+        </p:blipFill>
+        <p:spPr>
+          <a:xfrm>
+            <a:off x="0" y="0"/>
+            <a:ext cx="12192000" cy="6858000"/>
+          </a:xfrm>
+          <a:prstGeom prst="rect">
+            <a:avLst/>
+          </a:prstGeom>
+        </p:spPr>
+      </p:pic>
+    </p:spTree>
+    <p:extLst>
+      <p:ext uri="{BB962C8B-B14F-4D97-AF65-F5344CB8AC3E}">
+        <p14:creationId xmlns:p14="http://schemas.microsoft.com/office/powerpoint/2010/main" val="2233696694"/>
+      </p:ext>
+    </p:extLst>
+  </p:cSld>
+  <p:clrMapOvr>
+    <a:masterClrMapping/>
+  </p:clrMapOvr>
+</p:sld>
+</file>
+
 <file path=ppt/slides/slide2.xml><?xml version="1.0" encoding="utf-8"?>
 <p:sld xmlns:a="http://schemas.openxmlformats.org/drawingml/2006/main" xmlns:r="http://schemas.openxmlformats.org/officeDocument/2006/relationships" xmlns:p="http://schemas.openxmlformats.org/presentationml/2006/main">
   <p:cSld>
@@ -3830,10 +3947,10 @@
       </p:sp>
       <p:pic>
         <p:nvPicPr>
-          <p:cNvPr id="5" name="Imagen 4">
-            <a:extLst>
-              <a:ext uri="{FF2B5EF4-FFF2-40B4-BE49-F238E27FC236}">
-                <a16:creationId xmlns:a16="http://schemas.microsoft.com/office/drawing/2014/main" id="{2FE656FF-8D5B-1382-DD78-7809F218B330}"/>
+          <p:cNvPr id="6" name="Imagen 5">
+            <a:extLst>
+              <a:ext uri="{FF2B5EF4-FFF2-40B4-BE49-F238E27FC236}">
+                <a16:creationId xmlns:a16="http://schemas.microsoft.com/office/drawing/2014/main" id="{79340743-29CC-336D-9707-FADD109534EC}"/>
               </a:ext>
             </a:extLst>
           </p:cNvPr>
@@ -4082,6 +4199,116 @@
     <p:extLst>
       <p:ext uri="{BB962C8B-B14F-4D97-AF65-F5344CB8AC3E}">
         <p14:creationId xmlns:p14="http://schemas.microsoft.com/office/powerpoint/2010/main" val="3215311955"/>
+      </p:ext>
+    </p:extLst>
+  </p:cSld>
+  <p:clrMapOvr>
+    <a:masterClrMapping/>
+  </p:clrMapOvr>
+</p:sld>
+</file>
+
+<file path=ppt/slides/slide9.xml><?xml version="1.0" encoding="utf-8"?>
+<p:sld xmlns:a="http://schemas.openxmlformats.org/drawingml/2006/main" xmlns:r="http://schemas.openxmlformats.org/officeDocument/2006/relationships" xmlns:p="http://schemas.openxmlformats.org/presentationml/2006/main">
+  <p:cSld>
+    <p:spTree>
+      <p:nvGrpSpPr>
+        <p:cNvPr id="1" name=""/>
+        <p:cNvGrpSpPr/>
+        <p:nvPr/>
+      </p:nvGrpSpPr>
+      <p:grpSpPr>
+        <a:xfrm>
+          <a:off x="0" y="0"/>
+          <a:ext cx="0" cy="0"/>
+          <a:chOff x="0" y="0"/>
+          <a:chExt cx="0" cy="0"/>
+        </a:xfrm>
+      </p:grpSpPr>
+      <p:sp>
+        <p:nvSpPr>
+          <p:cNvPr id="2" name="Título 1">
+            <a:extLst>
+              <a:ext uri="{FF2B5EF4-FFF2-40B4-BE49-F238E27FC236}">
+                <a16:creationId xmlns:a16="http://schemas.microsoft.com/office/drawing/2014/main" id="{1F164765-1930-B6B0-C0EF-BE240703FC46}"/>
+              </a:ext>
+            </a:extLst>
+          </p:cNvPr>
+          <p:cNvSpPr>
+            <a:spLocks noGrp="1"/>
+          </p:cNvSpPr>
+          <p:nvPr>
+            <p:ph type="title"/>
+          </p:nvPr>
+        </p:nvSpPr>
+        <p:spPr/>
+        <p:txBody>
+          <a:bodyPr/>
+          <a:lstStyle/>
+          <a:p>
+            <a:endParaRPr lang="es-MX"/>
+          </a:p>
+        </p:txBody>
+      </p:sp>
+      <p:sp>
+        <p:nvSpPr>
+          <p:cNvPr id="3" name="Marcador de contenido 2">
+            <a:extLst>
+              <a:ext uri="{FF2B5EF4-FFF2-40B4-BE49-F238E27FC236}">
+                <a16:creationId xmlns:a16="http://schemas.microsoft.com/office/drawing/2014/main" id="{899542F5-62E2-0AD7-4D89-5102DD03ED60}"/>
+              </a:ext>
+            </a:extLst>
+          </p:cNvPr>
+          <p:cNvSpPr>
+            <a:spLocks noGrp="1"/>
+          </p:cNvSpPr>
+          <p:nvPr>
+            <p:ph idx="1"/>
+          </p:nvPr>
+        </p:nvSpPr>
+        <p:spPr/>
+        <p:txBody>
+          <a:bodyPr/>
+          <a:lstStyle/>
+          <a:p>
+            <a:endParaRPr lang="es-MX"/>
+          </a:p>
+        </p:txBody>
+      </p:sp>
+      <p:pic>
+        <p:nvPicPr>
+          <p:cNvPr id="17" name="Imagen 16">
+            <a:extLst>
+              <a:ext uri="{FF2B5EF4-FFF2-40B4-BE49-F238E27FC236}">
+                <a16:creationId xmlns:a16="http://schemas.microsoft.com/office/drawing/2014/main" id="{C394236B-6066-0109-3A3B-72330F8BE6BA}"/>
+              </a:ext>
+            </a:extLst>
+          </p:cNvPr>
+          <p:cNvPicPr>
+            <a:picLocks noChangeAspect="1"/>
+          </p:cNvPicPr>
+          <p:nvPr/>
+        </p:nvPicPr>
+        <p:blipFill>
+          <a:blip r:embed="rId2"/>
+          <a:stretch>
+            <a:fillRect/>
+          </a:stretch>
+        </p:blipFill>
+        <p:spPr>
+          <a:xfrm>
+            <a:off x="0" y="0"/>
+            <a:ext cx="12192000" cy="6858000"/>
+          </a:xfrm>
+          <a:prstGeom prst="rect">
+            <a:avLst/>
+          </a:prstGeom>
+        </p:spPr>
+      </p:pic>
+    </p:spTree>
+    <p:extLst>
+      <p:ext uri="{BB962C8B-B14F-4D97-AF65-F5344CB8AC3E}">
+        <p14:creationId xmlns:p14="http://schemas.microsoft.com/office/powerpoint/2010/main" val="1416099200"/>
       </p:ext>
     </p:extLst>
   </p:cSld>
